--- a/Result Management System_PrbStatementUsecaseDFD.pptx
+++ b/Result Management System_PrbStatementUsecaseDFD.pptx
@@ -263,7 +263,7 @@
             <a:fld id="{980D469C-0B21-4309-BFF3-CAE2165BB252}" type="datetimeFigureOut">
               <a:rPr lang="en-US" smtClean="0"/>
               <a:pPr/>
-              <a:t>2/17/2017</a:t>
+              <a:t>19/02/2015</a:t>
             </a:fld>
             <a:endParaRPr lang="en-US"/>
           </a:p>
@@ -624,7 +624,7 @@
             <a:fld id="{980D469C-0B21-4309-BFF3-CAE2165BB252}" type="datetimeFigureOut">
               <a:rPr lang="en-US" smtClean="0"/>
               <a:pPr/>
-              <a:t>2/17/2017</a:t>
+              <a:t>19/02/2015</a:t>
             </a:fld>
             <a:endParaRPr lang="en-US"/>
           </a:p>
@@ -801,7 +801,7 @@
             <a:fld id="{980D469C-0B21-4309-BFF3-CAE2165BB252}" type="datetimeFigureOut">
               <a:rPr lang="en-US" smtClean="0"/>
               <a:pPr/>
-              <a:t>2/17/2017</a:t>
+              <a:t>19/02/2015</a:t>
             </a:fld>
             <a:endParaRPr lang="en-US"/>
           </a:p>
@@ -1038,7 +1038,7 @@
             <a:fld id="{980D469C-0B21-4309-BFF3-CAE2165BB252}" type="datetimeFigureOut">
               <a:rPr lang="en-US" smtClean="0"/>
               <a:pPr/>
-              <a:t>2/17/2017</a:t>
+              <a:t>19/02/2015</a:t>
             </a:fld>
             <a:endParaRPr lang="en-US"/>
           </a:p>
@@ -1309,7 +1309,7 @@
             <a:fld id="{980D469C-0B21-4309-BFF3-CAE2165BB252}" type="datetimeFigureOut">
               <a:rPr lang="en-US" smtClean="0"/>
               <a:pPr/>
-              <a:t>2/17/2017</a:t>
+              <a:t>19/02/2015</a:t>
             </a:fld>
             <a:endParaRPr lang="en-US"/>
           </a:p>
@@ -1531,7 +1531,7 @@
             <a:fld id="{980D469C-0B21-4309-BFF3-CAE2165BB252}" type="datetimeFigureOut">
               <a:rPr lang="en-US" smtClean="0"/>
               <a:pPr/>
-              <a:t>2/17/2017</a:t>
+              <a:t>19/02/2015</a:t>
             </a:fld>
             <a:endParaRPr lang="en-US"/>
           </a:p>
@@ -1885,7 +1885,7 @@
             <a:fld id="{980D469C-0B21-4309-BFF3-CAE2165BB252}" type="datetimeFigureOut">
               <a:rPr lang="en-US" smtClean="0"/>
               <a:pPr/>
-              <a:t>2/17/2017</a:t>
+              <a:t>19/02/2015</a:t>
             </a:fld>
             <a:endParaRPr lang="en-US"/>
           </a:p>
@@ -2119,7 +2119,7 @@
             <a:fld id="{980D469C-0B21-4309-BFF3-CAE2165BB252}" type="datetimeFigureOut">
               <a:rPr lang="en-US" smtClean="0"/>
               <a:pPr/>
-              <a:t>2/17/2017</a:t>
+              <a:t>19/02/2015</a:t>
             </a:fld>
             <a:endParaRPr lang="en-US"/>
           </a:p>
@@ -2261,7 +2261,7 @@
             <a:fld id="{980D469C-0B21-4309-BFF3-CAE2165BB252}" type="datetimeFigureOut">
               <a:rPr lang="en-US" smtClean="0"/>
               <a:pPr/>
-              <a:t>2/17/2017</a:t>
+              <a:t>19/02/2015</a:t>
             </a:fld>
             <a:endParaRPr lang="en-US"/>
           </a:p>
@@ -2540,7 +2540,7 @@
             <a:fld id="{980D469C-0B21-4309-BFF3-CAE2165BB252}" type="datetimeFigureOut">
               <a:rPr lang="en-US" smtClean="0"/>
               <a:pPr/>
-              <a:t>2/17/2017</a:t>
+              <a:t>19/02/2015</a:t>
             </a:fld>
             <a:endParaRPr lang="en-US"/>
           </a:p>
@@ -2949,7 +2949,7 @@
             <a:fld id="{980D469C-0B21-4309-BFF3-CAE2165BB252}" type="datetimeFigureOut">
               <a:rPr lang="en-US" smtClean="0"/>
               <a:pPr/>
-              <a:t>2/17/2017</a:t>
+              <a:t>19/02/2015</a:t>
             </a:fld>
             <a:endParaRPr lang="en-US"/>
           </a:p>
@@ -3289,7 +3289,7 @@
             <a:fld id="{980D469C-0B21-4309-BFF3-CAE2165BB252}" type="datetimeFigureOut">
               <a:rPr lang="en-US" smtClean="0"/>
               <a:pPr/>
-              <a:t>2/17/2017</a:t>
+              <a:t>19/02/2015</a:t>
             </a:fld>
             <a:endParaRPr lang="en-US"/>
           </a:p>
@@ -3865,7 +3865,11 @@
           <a:p>
             <a:r>
               <a:rPr lang="en-US" dirty="0" smtClean="0"/>
-              <a:t>Problem Statement, USE CASE, DFD</a:t>
+              <a:t>Problem </a:t>
+            </a:r>
+            <a:r>
+              <a:rPr lang="en-US" dirty="0" smtClean="0"/>
+              <a:t>Statement, USE CASE, DFD</a:t>
             </a:r>
             <a:endParaRPr lang="en-US" dirty="0"/>
           </a:p>
@@ -4337,12 +4341,22 @@
               <a:rPr lang="en-US" sz="3600" dirty="0" smtClean="0"/>
               <a:t>Prepare E-R Diagram for </a:t>
             </a:r>
+            <a:endParaRPr lang="en-US" sz="3600" dirty="0" smtClean="0"/>
           </a:p>
           <a:p>
             <a:r>
               <a:rPr lang="en-US" sz="3600" dirty="0" smtClean="0"/>
-              <a:t>Result Management System</a:t>
-            </a:r>
+              <a:t>Result </a:t>
+            </a:r>
+            <a:r>
+              <a:rPr lang="en-US" sz="3600" dirty="0" smtClean="0"/>
+              <a:t>Management </a:t>
+            </a:r>
+            <a:r>
+              <a:rPr lang="en-US" sz="3600" dirty="0" smtClean="0"/>
+              <a:t>System</a:t>
+            </a:r>
+            <a:endParaRPr lang="en-US" sz="3600" dirty="0" smtClean="0"/>
           </a:p>
         </p:txBody>
       </p:sp>
@@ -4833,240 +4847,6 @@
           <a:noFill/>
         </p:spPr>
       </p:pic>
-      <p:sp>
-        <p:nvSpPr>
-          <p:cNvPr id="7" name="Rectangle 6"/>
-          <p:cNvSpPr/>
-          <p:nvPr/>
-        </p:nvSpPr>
-        <p:spPr>
-          <a:xfrm>
-            <a:off x="3581400" y="1828800"/>
-            <a:ext cx="914400" cy="479685"/>
-          </a:xfrm>
-          <a:prstGeom prst="rect">
-            <a:avLst/>
-          </a:prstGeom>
-          <a:noFill/>
-        </p:spPr>
-        <p:style>
-          <a:lnRef idx="2">
-            <a:schemeClr val="dk1"/>
-          </a:lnRef>
-          <a:fillRef idx="1">
-            <a:schemeClr val="lt1"/>
-          </a:fillRef>
-          <a:effectRef idx="0">
-            <a:schemeClr val="dk1"/>
-          </a:effectRef>
-          <a:fontRef idx="minor">
-            <a:schemeClr val="dk1"/>
-          </a:fontRef>
-        </p:style>
-        <p:txBody>
-          <a:bodyPr rtlCol="0" anchor="ctr"/>
-          <a:lstStyle/>
-          <a:p>
-            <a:pPr algn="ctr"/>
-            <a:endParaRPr lang="en-GB"/>
-          </a:p>
-        </p:txBody>
-      </p:sp>
-      <p:sp>
-        <p:nvSpPr>
-          <p:cNvPr id="8" name="Rectangle 7"/>
-          <p:cNvSpPr/>
-          <p:nvPr/>
-        </p:nvSpPr>
-        <p:spPr>
-          <a:xfrm>
-            <a:off x="5882390" y="1858780"/>
-            <a:ext cx="914400" cy="479686"/>
-          </a:xfrm>
-          <a:prstGeom prst="rect">
-            <a:avLst/>
-          </a:prstGeom>
-          <a:noFill/>
-        </p:spPr>
-        <p:style>
-          <a:lnRef idx="2">
-            <a:schemeClr val="dk1"/>
-          </a:lnRef>
-          <a:fillRef idx="1">
-            <a:schemeClr val="lt1"/>
-          </a:fillRef>
-          <a:effectRef idx="0">
-            <a:schemeClr val="dk1"/>
-          </a:effectRef>
-          <a:fontRef idx="minor">
-            <a:schemeClr val="dk1"/>
-          </a:fontRef>
-        </p:style>
-        <p:txBody>
-          <a:bodyPr rtlCol="0" anchor="ctr"/>
-          <a:lstStyle/>
-          <a:p>
-            <a:pPr algn="ctr"/>
-            <a:endParaRPr lang="en-GB"/>
-          </a:p>
-        </p:txBody>
-      </p:sp>
-      <p:sp>
-        <p:nvSpPr>
-          <p:cNvPr id="9" name="Rectangle 8"/>
-          <p:cNvSpPr/>
-          <p:nvPr/>
-        </p:nvSpPr>
-        <p:spPr>
-          <a:xfrm>
-            <a:off x="1295400" y="3507698"/>
-            <a:ext cx="1143000" cy="348522"/>
-          </a:xfrm>
-          <a:prstGeom prst="rect">
-            <a:avLst/>
-          </a:prstGeom>
-          <a:noFill/>
-        </p:spPr>
-        <p:style>
-          <a:lnRef idx="2">
-            <a:schemeClr val="dk1"/>
-          </a:lnRef>
-          <a:fillRef idx="1">
-            <a:schemeClr val="lt1"/>
-          </a:fillRef>
-          <a:effectRef idx="0">
-            <a:schemeClr val="dk1"/>
-          </a:effectRef>
-          <a:fontRef idx="minor">
-            <a:schemeClr val="dk1"/>
-          </a:fontRef>
-        </p:style>
-        <p:txBody>
-          <a:bodyPr rtlCol="0" anchor="ctr"/>
-          <a:lstStyle/>
-          <a:p>
-            <a:pPr algn="ctr"/>
-            <a:endParaRPr lang="en-GB"/>
-          </a:p>
-        </p:txBody>
-      </p:sp>
-      <p:sp>
-        <p:nvSpPr>
-          <p:cNvPr id="10" name="Rectangle 9"/>
-          <p:cNvSpPr/>
-          <p:nvPr/>
-        </p:nvSpPr>
-        <p:spPr>
-          <a:xfrm>
-            <a:off x="1981200" y="5410200"/>
-            <a:ext cx="1143000" cy="685800"/>
-          </a:xfrm>
-          <a:prstGeom prst="rect">
-            <a:avLst/>
-          </a:prstGeom>
-          <a:noFill/>
-        </p:spPr>
-        <p:style>
-          <a:lnRef idx="2">
-            <a:schemeClr val="dk1"/>
-          </a:lnRef>
-          <a:fillRef idx="1">
-            <a:schemeClr val="lt1"/>
-          </a:fillRef>
-          <a:effectRef idx="0">
-            <a:schemeClr val="dk1"/>
-          </a:effectRef>
-          <a:fontRef idx="minor">
-            <a:schemeClr val="dk1"/>
-          </a:fontRef>
-        </p:style>
-        <p:txBody>
-          <a:bodyPr rtlCol="0" anchor="ctr"/>
-          <a:lstStyle/>
-          <a:p>
-            <a:pPr algn="ctr"/>
-            <a:endParaRPr lang="en-GB"/>
-          </a:p>
-        </p:txBody>
-      </p:sp>
-      <p:sp>
-        <p:nvSpPr>
-          <p:cNvPr id="11" name="Rectangle 10"/>
-          <p:cNvSpPr/>
-          <p:nvPr/>
-        </p:nvSpPr>
-        <p:spPr>
-          <a:xfrm>
-            <a:off x="3672590" y="5378970"/>
-            <a:ext cx="1143000" cy="503420"/>
-          </a:xfrm>
-          <a:prstGeom prst="rect">
-            <a:avLst/>
-          </a:prstGeom>
-          <a:noFill/>
-        </p:spPr>
-        <p:style>
-          <a:lnRef idx="2">
-            <a:schemeClr val="dk1"/>
-          </a:lnRef>
-          <a:fillRef idx="1">
-            <a:schemeClr val="lt1"/>
-          </a:fillRef>
-          <a:effectRef idx="0">
-            <a:schemeClr val="dk1"/>
-          </a:effectRef>
-          <a:fontRef idx="minor">
-            <a:schemeClr val="dk1"/>
-          </a:fontRef>
-        </p:style>
-        <p:txBody>
-          <a:bodyPr rtlCol="0" anchor="ctr"/>
-          <a:lstStyle/>
-          <a:p>
-            <a:pPr algn="ctr"/>
-            <a:endParaRPr lang="en-GB"/>
-          </a:p>
-        </p:txBody>
-      </p:sp>
-      <p:sp>
-        <p:nvSpPr>
-          <p:cNvPr id="12" name="Rectangle 11"/>
-          <p:cNvSpPr/>
-          <p:nvPr/>
-        </p:nvSpPr>
-        <p:spPr>
-          <a:xfrm>
-            <a:off x="5410200" y="5410200"/>
-            <a:ext cx="1143000" cy="914400"/>
-          </a:xfrm>
-          <a:prstGeom prst="rect">
-            <a:avLst/>
-          </a:prstGeom>
-          <a:noFill/>
-        </p:spPr>
-        <p:style>
-          <a:lnRef idx="2">
-            <a:schemeClr val="dk1"/>
-          </a:lnRef>
-          <a:fillRef idx="1">
-            <a:schemeClr val="lt1"/>
-          </a:fillRef>
-          <a:effectRef idx="0">
-            <a:schemeClr val="dk1"/>
-          </a:effectRef>
-          <a:fontRef idx="minor">
-            <a:schemeClr val="dk1"/>
-          </a:fontRef>
-        </p:style>
-        <p:txBody>
-          <a:bodyPr rtlCol="0" anchor="ctr"/>
-          <a:lstStyle/>
-          <a:p>
-            <a:pPr algn="ctr"/>
-            <a:endParaRPr lang="en-GB"/>
-          </a:p>
-        </p:txBody>
-      </p:sp>
     </p:spTree>
   </p:cSld>
   <p:clrMapOvr>
@@ -5164,162 +4944,6 @@
           <a:noFill/>
         </p:spPr>
       </p:pic>
-      <p:sp>
-        <p:nvSpPr>
-          <p:cNvPr id="4" name="Rectangle 3"/>
-          <p:cNvSpPr/>
-          <p:nvPr/>
-        </p:nvSpPr>
-        <p:spPr>
-          <a:xfrm>
-            <a:off x="1219200" y="6324600"/>
-            <a:ext cx="914400" cy="304800"/>
-          </a:xfrm>
-          <a:prstGeom prst="rect">
-            <a:avLst/>
-          </a:prstGeom>
-          <a:noFill/>
-        </p:spPr>
-        <p:style>
-          <a:lnRef idx="2">
-            <a:schemeClr val="dk1"/>
-          </a:lnRef>
-          <a:fillRef idx="1">
-            <a:schemeClr val="lt1"/>
-          </a:fillRef>
-          <a:effectRef idx="0">
-            <a:schemeClr val="dk1"/>
-          </a:effectRef>
-          <a:fontRef idx="minor">
-            <a:schemeClr val="dk1"/>
-          </a:fontRef>
-        </p:style>
-        <p:txBody>
-          <a:bodyPr rtlCol="0" anchor="ctr"/>
-          <a:lstStyle/>
-          <a:p>
-            <a:pPr algn="ctr"/>
-            <a:endParaRPr lang="en-GB"/>
-          </a:p>
-        </p:txBody>
-      </p:sp>
-      <p:sp>
-        <p:nvSpPr>
-          <p:cNvPr id="5" name="Rectangle 4"/>
-          <p:cNvSpPr/>
-          <p:nvPr/>
-        </p:nvSpPr>
-        <p:spPr>
-          <a:xfrm>
-            <a:off x="2819400" y="1066800"/>
-            <a:ext cx="1066800" cy="304800"/>
-          </a:xfrm>
-          <a:prstGeom prst="rect">
-            <a:avLst/>
-          </a:prstGeom>
-          <a:noFill/>
-        </p:spPr>
-        <p:style>
-          <a:lnRef idx="2">
-            <a:schemeClr val="dk1"/>
-          </a:lnRef>
-          <a:fillRef idx="1">
-            <a:schemeClr val="lt1"/>
-          </a:fillRef>
-          <a:effectRef idx="0">
-            <a:schemeClr val="dk1"/>
-          </a:effectRef>
-          <a:fontRef idx="minor">
-            <a:schemeClr val="dk1"/>
-          </a:fontRef>
-        </p:style>
-        <p:txBody>
-          <a:bodyPr rtlCol="0" anchor="ctr"/>
-          <a:lstStyle/>
-          <a:p>
-            <a:pPr algn="ctr"/>
-            <a:endParaRPr lang="en-GB"/>
-          </a:p>
-        </p:txBody>
-      </p:sp>
-      <p:sp>
-        <p:nvSpPr>
-          <p:cNvPr id="7" name="Rectangle 6"/>
-          <p:cNvSpPr/>
-          <p:nvPr/>
-        </p:nvSpPr>
-        <p:spPr>
-          <a:xfrm>
-            <a:off x="2622030" y="3520190"/>
-            <a:ext cx="1066800" cy="304800"/>
-          </a:xfrm>
-          <a:prstGeom prst="rect">
-            <a:avLst/>
-          </a:prstGeom>
-          <a:noFill/>
-        </p:spPr>
-        <p:style>
-          <a:lnRef idx="2">
-            <a:schemeClr val="dk1"/>
-          </a:lnRef>
-          <a:fillRef idx="1">
-            <a:schemeClr val="lt1"/>
-          </a:fillRef>
-          <a:effectRef idx="0">
-            <a:schemeClr val="dk1"/>
-          </a:effectRef>
-          <a:fontRef idx="minor">
-            <a:schemeClr val="dk1"/>
-          </a:fontRef>
-        </p:style>
-        <p:txBody>
-          <a:bodyPr rtlCol="0" anchor="ctr"/>
-          <a:lstStyle/>
-          <a:p>
-            <a:pPr algn="ctr"/>
-            <a:endParaRPr lang="en-GB"/>
-          </a:p>
-        </p:txBody>
-      </p:sp>
-      <p:sp>
-        <p:nvSpPr>
-          <p:cNvPr id="8" name="Rectangle 7"/>
-          <p:cNvSpPr/>
-          <p:nvPr/>
-        </p:nvSpPr>
-        <p:spPr>
-          <a:xfrm>
-            <a:off x="7239000" y="381000"/>
-            <a:ext cx="1066800" cy="304800"/>
-          </a:xfrm>
-          <a:prstGeom prst="rect">
-            <a:avLst/>
-          </a:prstGeom>
-          <a:noFill/>
-        </p:spPr>
-        <p:style>
-          <a:lnRef idx="2">
-            <a:schemeClr val="dk1"/>
-          </a:lnRef>
-          <a:fillRef idx="1">
-            <a:schemeClr val="lt1"/>
-          </a:fillRef>
-          <a:effectRef idx="0">
-            <a:schemeClr val="dk1"/>
-          </a:effectRef>
-          <a:fontRef idx="minor">
-            <a:schemeClr val="dk1"/>
-          </a:fontRef>
-        </p:style>
-        <p:txBody>
-          <a:bodyPr rtlCol="0" anchor="ctr"/>
-          <a:lstStyle/>
-          <a:p>
-            <a:pPr algn="ctr"/>
-            <a:endParaRPr lang="en-GB"/>
-          </a:p>
-        </p:txBody>
-      </p:sp>
     </p:spTree>
   </p:cSld>
   <p:clrMapOvr>
